--- a/03 Delay effects/B - Vibrato/Fractional delay.pptx
+++ b/03 Delay effects/B - Vibrato/Fractional delay.pptx
@@ -127,6 +127,35 @@
 </p:presentation>
 </file>
 
+<file path=ppt/changesInfos/changesInfo1.xml><?xml version="1.0" encoding="utf-8"?>
+<pc:chgInfo xmlns:a="http://schemas.openxmlformats.org/drawingml/2006/main" xmlns:r="http://schemas.openxmlformats.org/officeDocument/2006/relationships" xmlns:ac="http://schemas.microsoft.com/office/drawing/2013/main/command" xmlns:pc="http://schemas.microsoft.com/office/powerpoint/2013/main/command">
+  <pc:docChgLst>
+    <pc:chgData name="Joshua Reiss" userId="71f87c30-4769-4a42-a082-a6a82298c8cb" providerId="ADAL" clId="{7D2A266B-956C-4E9C-BAAA-856CD21E8C2E}"/>
+    <pc:docChg chg="modSld">
+      <pc:chgData name="Joshua Reiss" userId="71f87c30-4769-4a42-a082-a6a82298c8cb" providerId="ADAL" clId="{7D2A266B-956C-4E9C-BAAA-856CD21E8C2E}" dt="2025-02-13T16:45:17.392" v="20" actId="1036"/>
+      <pc:docMkLst>
+        <pc:docMk/>
+      </pc:docMkLst>
+      <pc:sldChg chg="modSp mod">
+        <pc:chgData name="Joshua Reiss" userId="71f87c30-4769-4a42-a082-a6a82298c8cb" providerId="ADAL" clId="{7D2A266B-956C-4E9C-BAAA-856CD21E8C2E}" dt="2025-02-13T16:45:17.392" v="20" actId="1036"/>
+        <pc:sldMkLst>
+          <pc:docMk/>
+          <pc:sldMk cId="338159633" sldId="309"/>
+        </pc:sldMkLst>
+        <pc:picChg chg="mod">
+          <ac:chgData name="Joshua Reiss" userId="71f87c30-4769-4a42-a082-a6a82298c8cb" providerId="ADAL" clId="{7D2A266B-956C-4E9C-BAAA-856CD21E8C2E}" dt="2025-02-13T16:45:17.392" v="20" actId="1036"/>
+          <ac:picMkLst>
+            <pc:docMk/>
+            <pc:sldMk cId="338159633" sldId="309"/>
+            <ac:picMk id="49155" creationId="{00000000-0000-0000-0000-000000000000}"/>
+          </ac:picMkLst>
+        </pc:picChg>
+      </pc:sldChg>
+    </pc:docChg>
+  </pc:docChgLst>
+</pc:chgInfo>
+</file>
+
 <file path=ppt/notesMasters/notesMaster1.xml><?xml version="1.0" encoding="utf-8"?>
 <p:notesMaster xmlns:a="http://schemas.openxmlformats.org/drawingml/2006/main" xmlns:r="http://schemas.openxmlformats.org/officeDocument/2006/relationships" xmlns:p="http://schemas.openxmlformats.org/presentationml/2006/main">
   <p:cSld>
@@ -209,7 +238,7 @@
           <a:p>
             <a:fld id="{BE487CCF-3B53-4F90-977B-B099D72D42DC}" type="datetimeFigureOut">
               <a:rPr lang="en-GB" smtClean="0"/>
-              <a:t>16/02/2024</a:t>
+              <a:t>13/02/2025</a:t>
             </a:fld>
             <a:endParaRPr lang="en-GB"/>
           </a:p>
@@ -1091,7 +1120,7 @@
           <a:p>
             <a:fld id="{F8A5948D-6B6B-4AEB-B022-F2A9ADD6F77D}" type="datetimeFigureOut">
               <a:rPr lang="en-GB" smtClean="0"/>
-              <a:t>16/02/2024</a:t>
+              <a:t>13/02/2025</a:t>
             </a:fld>
             <a:endParaRPr lang="en-GB"/>
           </a:p>
@@ -1291,7 +1320,7 @@
           <a:p>
             <a:fld id="{F8A5948D-6B6B-4AEB-B022-F2A9ADD6F77D}" type="datetimeFigureOut">
               <a:rPr lang="en-GB" smtClean="0"/>
-              <a:t>16/02/2024</a:t>
+              <a:t>13/02/2025</a:t>
             </a:fld>
             <a:endParaRPr lang="en-GB"/>
           </a:p>
@@ -1501,7 +1530,7 @@
           <a:p>
             <a:fld id="{F8A5948D-6B6B-4AEB-B022-F2A9ADD6F77D}" type="datetimeFigureOut">
               <a:rPr lang="en-GB" smtClean="0"/>
-              <a:t>16/02/2024</a:t>
+              <a:t>13/02/2025</a:t>
             </a:fld>
             <a:endParaRPr lang="en-GB"/>
           </a:p>
@@ -2935,7 +2964,7 @@
           <a:p>
             <a:fld id="{F8A5948D-6B6B-4AEB-B022-F2A9ADD6F77D}" type="datetimeFigureOut">
               <a:rPr lang="en-GB" smtClean="0"/>
-              <a:t>16/02/2024</a:t>
+              <a:t>13/02/2025</a:t>
             </a:fld>
             <a:endParaRPr lang="en-GB"/>
           </a:p>
@@ -3617,7 +3646,7 @@
           <a:p>
             <a:fld id="{F8A5948D-6B6B-4AEB-B022-F2A9ADD6F77D}" type="datetimeFigureOut">
               <a:rPr lang="en-GB" smtClean="0"/>
-              <a:t>16/02/2024</a:t>
+              <a:t>13/02/2025</a:t>
             </a:fld>
             <a:endParaRPr lang="en-GB"/>
           </a:p>
@@ -3885,7 +3914,7 @@
           <a:p>
             <a:fld id="{F8A5948D-6B6B-4AEB-B022-F2A9ADD6F77D}" type="datetimeFigureOut">
               <a:rPr lang="en-GB" smtClean="0"/>
-              <a:t>16/02/2024</a:t>
+              <a:t>13/02/2025</a:t>
             </a:fld>
             <a:endParaRPr lang="en-GB"/>
           </a:p>
@@ -4300,7 +4329,7 @@
           <a:p>
             <a:fld id="{F8A5948D-6B6B-4AEB-B022-F2A9ADD6F77D}" type="datetimeFigureOut">
               <a:rPr lang="en-GB" smtClean="0"/>
-              <a:t>16/02/2024</a:t>
+              <a:t>13/02/2025</a:t>
             </a:fld>
             <a:endParaRPr lang="en-GB"/>
           </a:p>
@@ -4442,7 +4471,7 @@
           <a:p>
             <a:fld id="{F8A5948D-6B6B-4AEB-B022-F2A9ADD6F77D}" type="datetimeFigureOut">
               <a:rPr lang="en-GB" smtClean="0"/>
-              <a:t>16/02/2024</a:t>
+              <a:t>13/02/2025</a:t>
             </a:fld>
             <a:endParaRPr lang="en-GB"/>
           </a:p>
@@ -4555,7 +4584,7 @@
           <a:p>
             <a:fld id="{F8A5948D-6B6B-4AEB-B022-F2A9ADD6F77D}" type="datetimeFigureOut">
               <a:rPr lang="en-GB" smtClean="0"/>
-              <a:t>16/02/2024</a:t>
+              <a:t>13/02/2025</a:t>
             </a:fld>
             <a:endParaRPr lang="en-GB"/>
           </a:p>
@@ -4868,7 +4897,7 @@
           <a:p>
             <a:fld id="{F8A5948D-6B6B-4AEB-B022-F2A9ADD6F77D}" type="datetimeFigureOut">
               <a:rPr lang="en-GB" smtClean="0"/>
-              <a:t>16/02/2024</a:t>
+              <a:t>13/02/2025</a:t>
             </a:fld>
             <a:endParaRPr lang="en-GB"/>
           </a:p>
@@ -5157,7 +5186,7 @@
           <a:p>
             <a:fld id="{F8A5948D-6B6B-4AEB-B022-F2A9ADD6F77D}" type="datetimeFigureOut">
               <a:rPr lang="en-GB" smtClean="0"/>
-              <a:t>16/02/2024</a:t>
+              <a:t>13/02/2025</a:t>
             </a:fld>
             <a:endParaRPr lang="en-GB"/>
           </a:p>
@@ -5400,7 +5429,7 @@
           <a:p>
             <a:fld id="{F8A5948D-6B6B-4AEB-B022-F2A9ADD6F77D}" type="datetimeFigureOut">
               <a:rPr lang="en-GB" smtClean="0"/>
-              <a:t>16/02/2024</a:t>
+              <a:t>13/02/2025</a:t>
             </a:fld>
             <a:endParaRPr lang="en-GB"/>
           </a:p>
@@ -11992,7 +12021,7 @@
         </p:blipFill>
         <p:spPr bwMode="auto">
           <a:xfrm>
-            <a:off x="7111596" y="17186"/>
+            <a:off x="7111596" y="321986"/>
             <a:ext cx="5052188" cy="1996691"/>
           </a:xfrm>
           <a:prstGeom prst="rect">
